--- a/resources/Enums_And_Generics.pptx
+++ b/resources/Enums_And_Generics.pptx
@@ -243,7 +243,7 @@
           <a:p>
             <a:fld id="{126DA449-81D0-4C65-80FA-E84926361CC3}" type="datetimeFigureOut">
               <a:rPr lang="en-US" smtClean="0"/>
-              <a:t>10/9/21</a:t>
+              <a:t>11/8/21</a:t>
             </a:fld>
             <a:endParaRPr lang="en-US"/>
           </a:p>
@@ -31201,7 +31201,7 @@
               <a:rPr lang="en-US" sz="4400" dirty="0">
                 <a:sym typeface="Wingdings" pitchFamily="2" charset="2"/>
               </a:rPr>
-              <a:t>Let’s create our own LinkedList implementation.</a:t>
+              <a:t>Let’s create our own “LinkedList” implementation.</a:t>
             </a:r>
             <a:br>
               <a:rPr lang="en-US" sz="2800" dirty="0">
@@ -33378,9 +33378,12 @@
 </file>
 
 <file path=customXml/item1.xml><?xml version="1.0" encoding="utf-8"?>
-<p:properties xmlns:p="http://schemas.microsoft.com/office/2006/metadata/properties" xmlns:xsi="http://www.w3.org/2001/XMLSchema-instance" xmlns:pc="http://schemas.microsoft.com/office/infopath/2007/PartnerControls">
-  <documentManagement/>
-</p:properties>
+<?mso-contentType ?>
+<FormTemplates xmlns="http://schemas.microsoft.com/sharepoint/v3/contenttype/forms">
+  <Display>DocumentLibraryForm</Display>
+  <Edit>DocumentLibraryForm</Edit>
+  <New>DocumentLibraryForm</New>
+</FormTemplates>
 </file>
 
 <file path=customXml/item2.xml><?xml version="1.0" encoding="utf-8"?>
@@ -33601,19 +33604,15 @@
 </file>
 
 <file path=customXml/item3.xml><?xml version="1.0" encoding="utf-8"?>
-<?mso-contentType ?>
-<FormTemplates xmlns="http://schemas.microsoft.com/sharepoint/v3/contenttype/forms">
-  <Display>DocumentLibraryForm</Display>
-  <Edit>DocumentLibraryForm</Edit>
-  <New>DocumentLibraryForm</New>
-</FormTemplates>
+<p:properties xmlns:p="http://schemas.microsoft.com/office/2006/metadata/properties" xmlns:xsi="http://www.w3.org/2001/XMLSchema-instance" xmlns:pc="http://schemas.microsoft.com/office/infopath/2007/PartnerControls">
+  <documentManagement/>
+</p:properties>
 </file>
 
 <file path=customXml/itemProps1.xml><?xml version="1.0" encoding="utf-8"?>
-<ds:datastoreItem xmlns:ds="http://schemas.openxmlformats.org/officeDocument/2006/customXml" ds:itemID="{412E3419-B313-4514-AD24-D56E1F80A63A}">
+<ds:datastoreItem xmlns:ds="http://schemas.openxmlformats.org/officeDocument/2006/customXml" ds:itemID="{87CA341C-74C1-4577-8C96-EF2605DC526A}">
   <ds:schemaRefs>
-    <ds:schemaRef ds:uri="http://schemas.microsoft.com/office/2006/metadata/properties"/>
-    <ds:schemaRef ds:uri="http://schemas.microsoft.com/office/infopath/2007/PartnerControls"/>
+    <ds:schemaRef ds:uri="http://schemas.microsoft.com/sharepoint/v3/contenttype/forms"/>
   </ds:schemaRefs>
 </ds:datastoreItem>
 </file>
@@ -33638,9 +33637,10 @@
 </file>
 
 <file path=customXml/itemProps3.xml><?xml version="1.0" encoding="utf-8"?>
-<ds:datastoreItem xmlns:ds="http://schemas.openxmlformats.org/officeDocument/2006/customXml" ds:itemID="{87CA341C-74C1-4577-8C96-EF2605DC526A}">
+<ds:datastoreItem xmlns:ds="http://schemas.openxmlformats.org/officeDocument/2006/customXml" ds:itemID="{412E3419-B313-4514-AD24-D56E1F80A63A}">
   <ds:schemaRefs>
-    <ds:schemaRef ds:uri="http://schemas.microsoft.com/sharepoint/v3/contenttype/forms"/>
+    <ds:schemaRef ds:uri="http://schemas.microsoft.com/office/2006/metadata/properties"/>
+    <ds:schemaRef ds:uri="http://schemas.microsoft.com/office/infopath/2007/PartnerControls"/>
   </ds:schemaRefs>
 </ds:datastoreItem>
 </file>